--- a/SMART HOME.pptx
+++ b/SMART HOME.pptx
@@ -5,10 +5,10 @@
     <p:sldMasterId id="2147483648" r:id="rId4"/>
   </p:sldMasterIdLst>
   <p:notesMasterIdLst>
-    <p:notesMasterId r:id="rId17"/>
+    <p:notesMasterId r:id="rId18"/>
   </p:notesMasterIdLst>
   <p:handoutMasterIdLst>
-    <p:handoutMasterId r:id="rId18"/>
+    <p:handoutMasterId r:id="rId19"/>
   </p:handoutMasterIdLst>
   <p:sldIdLst>
     <p:sldId id="256" r:id="rId5"/>
@@ -20,9 +20,10 @@
     <p:sldId id="285" r:id="rId11"/>
     <p:sldId id="262" r:id="rId12"/>
     <p:sldId id="290" r:id="rId13"/>
-    <p:sldId id="270" r:id="rId14"/>
-    <p:sldId id="277" r:id="rId15"/>
-    <p:sldId id="287" r:id="rId16"/>
+    <p:sldId id="291" r:id="rId14"/>
+    <p:sldId id="270" r:id="rId15"/>
+    <p:sldId id="277" r:id="rId16"/>
+    <p:sldId id="287" r:id="rId17"/>
   </p:sldIdLst>
   <p:sldSz cx="12192000" cy="6858000"/>
   <p:notesSz cx="6858000" cy="9144000"/>
@@ -45354,10 +45355,10 @@
       </p:grpSpPr>
       <p:sp>
         <p:nvSpPr>
-          <p:cNvPr id="5" name="Title 4">
-            <a:extLst>
-              <a:ext uri="{FF2B5EF4-FFF2-40B4-BE49-F238E27FC236}">
-                <a16:creationId xmlns:a16="http://schemas.microsoft.com/office/drawing/2014/main" id="{C27242FD-4B84-40F8-B4E6-626D05771D01}"/>
+          <p:cNvPr id="2" name="Date Placeholder 1">
+            <a:extLst>
+              <a:ext uri="{FF2B5EF4-FFF2-40B4-BE49-F238E27FC236}">
+                <a16:creationId xmlns:a16="http://schemas.microsoft.com/office/drawing/2014/main" id="{F289A1FB-48F2-49C0-B2E2-080E11F9FEC0}"/>
               </a:ext>
             </a:extLst>
           </p:cNvPr>
@@ -45365,7 +45366,7 @@
             <a:spLocks noGrp="1"/>
           </p:cNvSpPr>
           <p:nvPr>
-            <p:ph type="title"/>
+            <p:ph type="dt" sz="half" idx="10"/>
           </p:nvPr>
         </p:nvSpPr>
         <p:spPr/>
@@ -45374,9 +45375,43 @@
           <a:lstStyle/>
           <a:p>
             <a:r>
+              <a:rPr lang="en-US" noProof="0"/>
+              <a:t>MM.DD.20XX</a:t>
+            </a:r>
+            <a:endParaRPr lang="en-US" noProof="0" dirty="0"/>
+          </a:p>
+        </p:txBody>
+      </p:sp>
+      <p:sp>
+        <p:nvSpPr>
+          <p:cNvPr id="3" name="Footer Placeholder 2">
+            <a:extLst>
+              <a:ext uri="{FF2B5EF4-FFF2-40B4-BE49-F238E27FC236}">
+                <a16:creationId xmlns:a16="http://schemas.microsoft.com/office/drawing/2014/main" id="{FAB5ABA7-B992-4D93-8B5A-9194B67B17E3}"/>
+              </a:ext>
+            </a:extLst>
+          </p:cNvPr>
+          <p:cNvSpPr>
+            <a:spLocks noGrp="1"/>
+          </p:cNvSpPr>
+          <p:nvPr>
+            <p:ph type="ftr" sz="quarter" idx="11"/>
+          </p:nvPr>
+        </p:nvSpPr>
+        <p:spPr/>
+        <p:txBody>
+          <a:bodyPr/>
+          <a:lstStyle/>
+          <a:p>
+            <a:r>
+              <a:rPr lang="en-US" dirty="0" err="1"/>
+              <a:t>Zafirul</a:t>
+            </a:r>
+            <a:r>
               <a:rPr lang="en-US" dirty="0"/>
-              <a:t>SIMULATION</a:t>
+              <a:t> and Ammar</a:t>
             </a:r>
+            <a:endParaRPr lang="en-US" noProof="0" dirty="0"/>
           </a:p>
         </p:txBody>
       </p:sp>
@@ -45385,7 +45420,7 @@
           <p:cNvPr id="4" name="Slide Number Placeholder 3">
             <a:extLst>
               <a:ext uri="{FF2B5EF4-FFF2-40B4-BE49-F238E27FC236}">
-                <a16:creationId xmlns:a16="http://schemas.microsoft.com/office/drawing/2014/main" id="{EB1FE36B-32AA-4E32-8EB1-0BF1B74BAC4C}"/>
+                <a16:creationId xmlns:a16="http://schemas.microsoft.com/office/drawing/2014/main" id="{3237E944-7C5B-48F3-BB08-7F653DD95604}"/>
               </a:ext>
             </a:extLst>
           </p:cNvPr>
@@ -45402,17 +45437,18 @@
           <a:lstStyle/>
           <a:p>
             <a:fld id="{8D581BC7-E183-40DB-AC97-C19EA4EB8894}" type="slidenum">
-              <a:rPr lang="en-US" smtClean="0"/>
+              <a:rPr lang="en-US" noProof="0" smtClean="0"/>
+              <a:pPr/>
               <a:t>10</a:t>
             </a:fld>
-            <a:endParaRPr lang="en-US" dirty="0"/>
+            <a:endParaRPr lang="en-US" noProof="0" dirty="0"/>
           </a:p>
         </p:txBody>
       </p:sp>
     </p:spTree>
     <p:extLst>
       <p:ext uri="{BB962C8B-B14F-4D97-AF65-F5344CB8AC3E}">
-        <p14:creationId xmlns:p14="http://schemas.microsoft.com/office/powerpoint/2010/main" val="4257882665"/>
+        <p14:creationId xmlns:p14="http://schemas.microsoft.com/office/powerpoint/2010/main" val="4250411775"/>
       </p:ext>
     </p:extLst>
   </p:cSld>
@@ -45441,10 +45477,10 @@
       </p:grpSpPr>
       <p:sp>
         <p:nvSpPr>
-          <p:cNvPr id="6" name="Title 5">
-            <a:extLst>
-              <a:ext uri="{FF2B5EF4-FFF2-40B4-BE49-F238E27FC236}">
-                <a16:creationId xmlns:a16="http://schemas.microsoft.com/office/drawing/2014/main" id="{D2F9A33A-E955-4DFB-9469-3FDBA6703985}"/>
+          <p:cNvPr id="5" name="Title 4">
+            <a:extLst>
+              <a:ext uri="{FF2B5EF4-FFF2-40B4-BE49-F238E27FC236}">
+                <a16:creationId xmlns:a16="http://schemas.microsoft.com/office/drawing/2014/main" id="{C27242FD-4B84-40F8-B4E6-626D05771D01}"/>
               </a:ext>
             </a:extLst>
           </p:cNvPr>
@@ -45462,18 +45498,17 @@
           <a:p>
             <a:r>
               <a:rPr lang="en-US" dirty="0"/>
-              <a:t>THANK YOU!</a:t>
+              <a:t>SIMULATION</a:t>
             </a:r>
-            <a:endParaRPr lang="ru-RU" dirty="0"/>
-          </a:p>
-        </p:txBody>
-      </p:sp>
-      <p:sp>
-        <p:nvSpPr>
-          <p:cNvPr id="7" name="Text Placeholder 6">
-            <a:extLst>
-              <a:ext uri="{FF2B5EF4-FFF2-40B4-BE49-F238E27FC236}">
-                <a16:creationId xmlns:a16="http://schemas.microsoft.com/office/drawing/2014/main" id="{58804881-51D2-4A81-BABB-704FBED23EB9}"/>
+          </a:p>
+        </p:txBody>
+      </p:sp>
+      <p:sp>
+        <p:nvSpPr>
+          <p:cNvPr id="4" name="Slide Number Placeholder 3">
+            <a:extLst>
+              <a:ext uri="{FF2B5EF4-FFF2-40B4-BE49-F238E27FC236}">
+                <a16:creationId xmlns:a16="http://schemas.microsoft.com/office/drawing/2014/main" id="{EB1FE36B-32AA-4E32-8EB1-0BF1B74BAC4C}"/>
               </a:ext>
             </a:extLst>
           </p:cNvPr>
@@ -45481,7 +45516,7 @@
             <a:spLocks noGrp="1"/>
           </p:cNvSpPr>
           <p:nvPr>
-            <p:ph type="body" sz="quarter" idx="15"/>
+            <p:ph type="sldNum" sz="quarter" idx="12"/>
           </p:nvPr>
         </p:nvSpPr>
         <p:spPr/>
@@ -45489,222 +45524,18 @@
           <a:bodyPr/>
           <a:lstStyle/>
           <a:p>
-            <a:r>
-              <a:rPr lang="en-US" dirty="0" err="1"/>
-              <a:t>TuringJunior</a:t>
-            </a:r>
-            <a:endParaRPr lang="ru-RU" dirty="0"/>
-          </a:p>
-        </p:txBody>
-      </p:sp>
-      <p:sp>
-        <p:nvSpPr>
-          <p:cNvPr id="8" name="Text Placeholder 7">
-            <a:extLst>
-              <a:ext uri="{FF2B5EF4-FFF2-40B4-BE49-F238E27FC236}">
-                <a16:creationId xmlns:a16="http://schemas.microsoft.com/office/drawing/2014/main" id="{8D2C39EE-B4D3-4E49-BF2C-871A33509C56}"/>
-              </a:ext>
-            </a:extLst>
-          </p:cNvPr>
-          <p:cNvSpPr>
-            <a:spLocks noGrp="1"/>
-          </p:cNvSpPr>
-          <p:nvPr>
-            <p:ph type="body" sz="quarter" idx="16"/>
-          </p:nvPr>
-        </p:nvSpPr>
-        <p:spPr/>
-        <p:txBody>
-          <a:bodyPr/>
-          <a:lstStyle/>
-          <a:p>
-            <a:r>
-              <a:rPr lang="en-US" dirty="0"/>
-              <a:t>Phone:</a:t>
-            </a:r>
-            <a:endParaRPr lang="ru-RU" dirty="0"/>
-          </a:p>
-        </p:txBody>
-      </p:sp>
-      <p:sp>
-        <p:nvSpPr>
-          <p:cNvPr id="9" name="Text Placeholder 8">
-            <a:extLst>
-              <a:ext uri="{FF2B5EF4-FFF2-40B4-BE49-F238E27FC236}">
-                <a16:creationId xmlns:a16="http://schemas.microsoft.com/office/drawing/2014/main" id="{93DB312C-BF94-484C-BB02-2534E26CECF6}"/>
-              </a:ext>
-            </a:extLst>
-          </p:cNvPr>
-          <p:cNvSpPr>
-            <a:spLocks noGrp="1"/>
-          </p:cNvSpPr>
-          <p:nvPr>
-            <p:ph type="body" sz="quarter" idx="17"/>
-          </p:nvPr>
-        </p:nvSpPr>
-        <p:spPr/>
-        <p:txBody>
-          <a:bodyPr/>
-          <a:lstStyle/>
-          <a:p>
-            <a:r>
-              <a:rPr lang="en-US" dirty="0"/>
-              <a:t>678-555-0134</a:t>
-            </a:r>
-            <a:endParaRPr lang="ru-RU" dirty="0"/>
-          </a:p>
-        </p:txBody>
-      </p:sp>
-      <p:sp>
-        <p:nvSpPr>
-          <p:cNvPr id="10" name="Text Placeholder 9">
-            <a:extLst>
-              <a:ext uri="{FF2B5EF4-FFF2-40B4-BE49-F238E27FC236}">
-                <a16:creationId xmlns:a16="http://schemas.microsoft.com/office/drawing/2014/main" id="{53C87786-C7F5-4B45-904D-00CC865572A5}"/>
-              </a:ext>
-            </a:extLst>
-          </p:cNvPr>
-          <p:cNvSpPr>
-            <a:spLocks noGrp="1"/>
-          </p:cNvSpPr>
-          <p:nvPr>
-            <p:ph type="body" sz="quarter" idx="18"/>
-          </p:nvPr>
-        </p:nvSpPr>
-        <p:spPr/>
-        <p:txBody>
-          <a:bodyPr/>
-          <a:lstStyle/>
-          <a:p>
-            <a:r>
-              <a:rPr lang="en-US" dirty="0"/>
-              <a:t>Email:</a:t>
-            </a:r>
-            <a:endParaRPr lang="ru-RU" dirty="0"/>
-          </a:p>
-        </p:txBody>
-      </p:sp>
-      <p:sp>
-        <p:nvSpPr>
-          <p:cNvPr id="11" name="Text Placeholder 10">
-            <a:extLst>
-              <a:ext uri="{FF2B5EF4-FFF2-40B4-BE49-F238E27FC236}">
-                <a16:creationId xmlns:a16="http://schemas.microsoft.com/office/drawing/2014/main" id="{D8E60535-F276-49C5-9346-D536D6899F5C}"/>
-              </a:ext>
-            </a:extLst>
-          </p:cNvPr>
-          <p:cNvSpPr>
-            <a:spLocks noGrp="1"/>
-          </p:cNvSpPr>
-          <p:nvPr>
-            <p:ph type="body" sz="quarter" idx="19"/>
-          </p:nvPr>
-        </p:nvSpPr>
-        <p:spPr/>
-        <p:txBody>
-          <a:bodyPr/>
-          <a:lstStyle/>
-          <a:p>
-            <a:r>
-              <a:rPr lang="en-US" dirty="0"/>
-              <a:t>turingJunior@team.com</a:t>
-            </a:r>
-            <a:endParaRPr lang="ru-RU" dirty="0"/>
-          </a:p>
-        </p:txBody>
-      </p:sp>
-      <p:sp>
-        <p:nvSpPr>
-          <p:cNvPr id="12" name="Text Placeholder 11">
-            <a:extLst>
-              <a:ext uri="{FF2B5EF4-FFF2-40B4-BE49-F238E27FC236}">
-                <a16:creationId xmlns:a16="http://schemas.microsoft.com/office/drawing/2014/main" id="{85395049-FB9C-455B-8DCA-4BD0D35F1DF5}"/>
-              </a:ext>
-            </a:extLst>
-          </p:cNvPr>
-          <p:cNvSpPr>
-            <a:spLocks noGrp="1"/>
-          </p:cNvSpPr>
-          <p:nvPr>
-            <p:ph type="body" sz="quarter" idx="20"/>
-          </p:nvPr>
-        </p:nvSpPr>
-        <p:spPr/>
-        <p:txBody>
-          <a:bodyPr/>
-          <a:lstStyle/>
-          <a:p>
-            <a:r>
-              <a:rPr lang="en-US" dirty="0"/>
-              <a:t>Website:</a:t>
-            </a:r>
-            <a:endParaRPr lang="ru-RU" dirty="0"/>
-          </a:p>
-        </p:txBody>
-      </p:sp>
-      <p:sp>
-        <p:nvSpPr>
-          <p:cNvPr id="13" name="Text Placeholder 12">
-            <a:extLst>
-              <a:ext uri="{FF2B5EF4-FFF2-40B4-BE49-F238E27FC236}">
-                <a16:creationId xmlns:a16="http://schemas.microsoft.com/office/drawing/2014/main" id="{D55212BC-6862-4B56-B856-7A97BBD3D4F1}"/>
-              </a:ext>
-            </a:extLst>
-          </p:cNvPr>
-          <p:cNvSpPr>
-            <a:spLocks noGrp="1"/>
-          </p:cNvSpPr>
-          <p:nvPr>
-            <p:ph type="body" sz="quarter" idx="21"/>
-          </p:nvPr>
-        </p:nvSpPr>
-        <p:spPr/>
-        <p:txBody>
-          <a:bodyPr/>
-          <a:lstStyle/>
-          <a:p>
-            <a:r>
-              <a:rPr lang="en-US" dirty="0"/>
-              <a:t>http://www.turingJunior.smartHome/</a:t>
-            </a:r>
-          </a:p>
-        </p:txBody>
-      </p:sp>
-      <p:pic>
-        <p:nvPicPr>
-          <p:cNvPr id="15" name="Picture Placeholder 14" descr="Abstract background">
-            <a:extLst>
-              <a:ext uri="{FF2B5EF4-FFF2-40B4-BE49-F238E27FC236}">
-                <a16:creationId xmlns:a16="http://schemas.microsoft.com/office/drawing/2014/main" id="{72AD0CC3-F8DE-4C10-916A-24BC65B1D283}"/>
-              </a:ext>
-            </a:extLst>
-          </p:cNvPr>
-          <p:cNvPicPr>
-            <a:picLocks noGrp="1" noChangeAspect="1"/>
-          </p:cNvPicPr>
-          <p:nvPr>
-            <p:ph type="pic" sz="quarter" idx="22"/>
-          </p:nvPr>
-        </p:nvPicPr>
-        <p:blipFill>
-          <a:blip r:embed="rId2">
-            <a:extLst>
-              <a:ext uri="{28A0092B-C50C-407E-A947-70E740481C1C}">
-                <a14:useLocalDpi xmlns:a14="http://schemas.microsoft.com/office/drawing/2010/main" val="0"/>
-              </a:ext>
-            </a:extLst>
-          </a:blip>
-          <a:srcRect/>
-          <a:stretch>
-            <a:fillRect/>
-          </a:stretch>
-        </p:blipFill>
-        <p:spPr/>
-      </p:pic>
+            <a:fld id="{8D581BC7-E183-40DB-AC97-C19EA4EB8894}" type="slidenum">
+              <a:rPr lang="en-US" smtClean="0"/>
+              <a:t>11</a:t>
+            </a:fld>
+            <a:endParaRPr lang="en-US" dirty="0"/>
+          </a:p>
+        </p:txBody>
+      </p:sp>
     </p:spTree>
     <p:extLst>
       <p:ext uri="{BB962C8B-B14F-4D97-AF65-F5344CB8AC3E}">
-        <p14:creationId xmlns:p14="http://schemas.microsoft.com/office/powerpoint/2010/main" val="2695672276"/>
+        <p14:creationId xmlns:p14="http://schemas.microsoft.com/office/powerpoint/2010/main" val="4257882665"/>
       </p:ext>
     </p:extLst>
   </p:cSld>
@@ -45733,6 +45564,298 @@
       </p:grpSpPr>
       <p:sp>
         <p:nvSpPr>
+          <p:cNvPr id="6" name="Title 5">
+            <a:extLst>
+              <a:ext uri="{FF2B5EF4-FFF2-40B4-BE49-F238E27FC236}">
+                <a16:creationId xmlns:a16="http://schemas.microsoft.com/office/drawing/2014/main" id="{D2F9A33A-E955-4DFB-9469-3FDBA6703985}"/>
+              </a:ext>
+            </a:extLst>
+          </p:cNvPr>
+          <p:cNvSpPr>
+            <a:spLocks noGrp="1"/>
+          </p:cNvSpPr>
+          <p:nvPr>
+            <p:ph type="title"/>
+          </p:nvPr>
+        </p:nvSpPr>
+        <p:spPr/>
+        <p:txBody>
+          <a:bodyPr/>
+          <a:lstStyle/>
+          <a:p>
+            <a:r>
+              <a:rPr lang="en-US" dirty="0"/>
+              <a:t>THANK YOU!</a:t>
+            </a:r>
+            <a:endParaRPr lang="ru-RU" dirty="0"/>
+          </a:p>
+        </p:txBody>
+      </p:sp>
+      <p:sp>
+        <p:nvSpPr>
+          <p:cNvPr id="7" name="Text Placeholder 6">
+            <a:extLst>
+              <a:ext uri="{FF2B5EF4-FFF2-40B4-BE49-F238E27FC236}">
+                <a16:creationId xmlns:a16="http://schemas.microsoft.com/office/drawing/2014/main" id="{58804881-51D2-4A81-BABB-704FBED23EB9}"/>
+              </a:ext>
+            </a:extLst>
+          </p:cNvPr>
+          <p:cNvSpPr>
+            <a:spLocks noGrp="1"/>
+          </p:cNvSpPr>
+          <p:nvPr>
+            <p:ph type="body" sz="quarter" idx="15"/>
+          </p:nvPr>
+        </p:nvSpPr>
+        <p:spPr/>
+        <p:txBody>
+          <a:bodyPr/>
+          <a:lstStyle/>
+          <a:p>
+            <a:r>
+              <a:rPr lang="en-US" dirty="0" err="1"/>
+              <a:t>TuringJunior</a:t>
+            </a:r>
+            <a:endParaRPr lang="ru-RU" dirty="0"/>
+          </a:p>
+        </p:txBody>
+      </p:sp>
+      <p:sp>
+        <p:nvSpPr>
+          <p:cNvPr id="8" name="Text Placeholder 7">
+            <a:extLst>
+              <a:ext uri="{FF2B5EF4-FFF2-40B4-BE49-F238E27FC236}">
+                <a16:creationId xmlns:a16="http://schemas.microsoft.com/office/drawing/2014/main" id="{8D2C39EE-B4D3-4E49-BF2C-871A33509C56}"/>
+              </a:ext>
+            </a:extLst>
+          </p:cNvPr>
+          <p:cNvSpPr>
+            <a:spLocks noGrp="1"/>
+          </p:cNvSpPr>
+          <p:nvPr>
+            <p:ph type="body" sz="quarter" idx="16"/>
+          </p:nvPr>
+        </p:nvSpPr>
+        <p:spPr/>
+        <p:txBody>
+          <a:bodyPr/>
+          <a:lstStyle/>
+          <a:p>
+            <a:r>
+              <a:rPr lang="en-US" dirty="0"/>
+              <a:t>Phone:</a:t>
+            </a:r>
+            <a:endParaRPr lang="ru-RU" dirty="0"/>
+          </a:p>
+        </p:txBody>
+      </p:sp>
+      <p:sp>
+        <p:nvSpPr>
+          <p:cNvPr id="9" name="Text Placeholder 8">
+            <a:extLst>
+              <a:ext uri="{FF2B5EF4-FFF2-40B4-BE49-F238E27FC236}">
+                <a16:creationId xmlns:a16="http://schemas.microsoft.com/office/drawing/2014/main" id="{93DB312C-BF94-484C-BB02-2534E26CECF6}"/>
+              </a:ext>
+            </a:extLst>
+          </p:cNvPr>
+          <p:cNvSpPr>
+            <a:spLocks noGrp="1"/>
+          </p:cNvSpPr>
+          <p:nvPr>
+            <p:ph type="body" sz="quarter" idx="17"/>
+          </p:nvPr>
+        </p:nvSpPr>
+        <p:spPr/>
+        <p:txBody>
+          <a:bodyPr/>
+          <a:lstStyle/>
+          <a:p>
+            <a:r>
+              <a:rPr lang="en-US" dirty="0"/>
+              <a:t>678-555-0134</a:t>
+            </a:r>
+            <a:endParaRPr lang="ru-RU" dirty="0"/>
+          </a:p>
+        </p:txBody>
+      </p:sp>
+      <p:sp>
+        <p:nvSpPr>
+          <p:cNvPr id="10" name="Text Placeholder 9">
+            <a:extLst>
+              <a:ext uri="{FF2B5EF4-FFF2-40B4-BE49-F238E27FC236}">
+                <a16:creationId xmlns:a16="http://schemas.microsoft.com/office/drawing/2014/main" id="{53C87786-C7F5-4B45-904D-00CC865572A5}"/>
+              </a:ext>
+            </a:extLst>
+          </p:cNvPr>
+          <p:cNvSpPr>
+            <a:spLocks noGrp="1"/>
+          </p:cNvSpPr>
+          <p:nvPr>
+            <p:ph type="body" sz="quarter" idx="18"/>
+          </p:nvPr>
+        </p:nvSpPr>
+        <p:spPr/>
+        <p:txBody>
+          <a:bodyPr/>
+          <a:lstStyle/>
+          <a:p>
+            <a:r>
+              <a:rPr lang="en-US" dirty="0"/>
+              <a:t>Email:</a:t>
+            </a:r>
+            <a:endParaRPr lang="ru-RU" dirty="0"/>
+          </a:p>
+        </p:txBody>
+      </p:sp>
+      <p:sp>
+        <p:nvSpPr>
+          <p:cNvPr id="11" name="Text Placeholder 10">
+            <a:extLst>
+              <a:ext uri="{FF2B5EF4-FFF2-40B4-BE49-F238E27FC236}">
+                <a16:creationId xmlns:a16="http://schemas.microsoft.com/office/drawing/2014/main" id="{D8E60535-F276-49C5-9346-D536D6899F5C}"/>
+              </a:ext>
+            </a:extLst>
+          </p:cNvPr>
+          <p:cNvSpPr>
+            <a:spLocks noGrp="1"/>
+          </p:cNvSpPr>
+          <p:nvPr>
+            <p:ph type="body" sz="quarter" idx="19"/>
+          </p:nvPr>
+        </p:nvSpPr>
+        <p:spPr/>
+        <p:txBody>
+          <a:bodyPr/>
+          <a:lstStyle/>
+          <a:p>
+            <a:r>
+              <a:rPr lang="en-US" dirty="0"/>
+              <a:t>turingJunior@team.com</a:t>
+            </a:r>
+            <a:endParaRPr lang="ru-RU" dirty="0"/>
+          </a:p>
+        </p:txBody>
+      </p:sp>
+      <p:sp>
+        <p:nvSpPr>
+          <p:cNvPr id="12" name="Text Placeholder 11">
+            <a:extLst>
+              <a:ext uri="{FF2B5EF4-FFF2-40B4-BE49-F238E27FC236}">
+                <a16:creationId xmlns:a16="http://schemas.microsoft.com/office/drawing/2014/main" id="{85395049-FB9C-455B-8DCA-4BD0D35F1DF5}"/>
+              </a:ext>
+            </a:extLst>
+          </p:cNvPr>
+          <p:cNvSpPr>
+            <a:spLocks noGrp="1"/>
+          </p:cNvSpPr>
+          <p:nvPr>
+            <p:ph type="body" sz="quarter" idx="20"/>
+          </p:nvPr>
+        </p:nvSpPr>
+        <p:spPr/>
+        <p:txBody>
+          <a:bodyPr/>
+          <a:lstStyle/>
+          <a:p>
+            <a:r>
+              <a:rPr lang="en-US" dirty="0"/>
+              <a:t>Website:</a:t>
+            </a:r>
+            <a:endParaRPr lang="ru-RU" dirty="0"/>
+          </a:p>
+        </p:txBody>
+      </p:sp>
+      <p:sp>
+        <p:nvSpPr>
+          <p:cNvPr id="13" name="Text Placeholder 12">
+            <a:extLst>
+              <a:ext uri="{FF2B5EF4-FFF2-40B4-BE49-F238E27FC236}">
+                <a16:creationId xmlns:a16="http://schemas.microsoft.com/office/drawing/2014/main" id="{D55212BC-6862-4B56-B856-7A97BBD3D4F1}"/>
+              </a:ext>
+            </a:extLst>
+          </p:cNvPr>
+          <p:cNvSpPr>
+            <a:spLocks noGrp="1"/>
+          </p:cNvSpPr>
+          <p:nvPr>
+            <p:ph type="body" sz="quarter" idx="21"/>
+          </p:nvPr>
+        </p:nvSpPr>
+        <p:spPr/>
+        <p:txBody>
+          <a:bodyPr/>
+          <a:lstStyle/>
+          <a:p>
+            <a:r>
+              <a:rPr lang="en-US" dirty="0"/>
+              <a:t>http://www.turingJunior.smartHome/</a:t>
+            </a:r>
+          </a:p>
+        </p:txBody>
+      </p:sp>
+      <p:pic>
+        <p:nvPicPr>
+          <p:cNvPr id="15" name="Picture Placeholder 14" descr="Abstract background">
+            <a:extLst>
+              <a:ext uri="{FF2B5EF4-FFF2-40B4-BE49-F238E27FC236}">
+                <a16:creationId xmlns:a16="http://schemas.microsoft.com/office/drawing/2014/main" id="{72AD0CC3-F8DE-4C10-916A-24BC65B1D283}"/>
+              </a:ext>
+            </a:extLst>
+          </p:cNvPr>
+          <p:cNvPicPr>
+            <a:picLocks noGrp="1" noChangeAspect="1"/>
+          </p:cNvPicPr>
+          <p:nvPr>
+            <p:ph type="pic" sz="quarter" idx="22"/>
+          </p:nvPr>
+        </p:nvPicPr>
+        <p:blipFill>
+          <a:blip r:embed="rId2">
+            <a:extLst>
+              <a:ext uri="{28A0092B-C50C-407E-A947-70E740481C1C}">
+                <a14:useLocalDpi xmlns:a14="http://schemas.microsoft.com/office/drawing/2010/main" val="0"/>
+              </a:ext>
+            </a:extLst>
+          </a:blip>
+          <a:srcRect/>
+          <a:stretch>
+            <a:fillRect/>
+          </a:stretch>
+        </p:blipFill>
+        <p:spPr/>
+      </p:pic>
+    </p:spTree>
+    <p:extLst>
+      <p:ext uri="{BB962C8B-B14F-4D97-AF65-F5344CB8AC3E}">
+        <p14:creationId xmlns:p14="http://schemas.microsoft.com/office/powerpoint/2010/main" val="2695672276"/>
+      </p:ext>
+    </p:extLst>
+  </p:cSld>
+  <p:clrMapOvr>
+    <a:masterClrMapping/>
+  </p:clrMapOvr>
+</p:sld>
+</file>
+
+<file path=ppt/slides/slide13.xml><?xml version="1.0" encoding="utf-8"?>
+<p:sld xmlns:a="http://schemas.openxmlformats.org/drawingml/2006/main" xmlns:r="http://schemas.openxmlformats.org/officeDocument/2006/relationships" xmlns:p="http://schemas.openxmlformats.org/presentationml/2006/main">
+  <p:cSld>
+    <p:spTree>
+      <p:nvGrpSpPr>
+        <p:cNvPr id="1" name=""/>
+        <p:cNvGrpSpPr/>
+        <p:nvPr/>
+      </p:nvGrpSpPr>
+      <p:grpSpPr>
+        <a:xfrm>
+          <a:off x="0" y="0"/>
+          <a:ext cx="0" cy="0"/>
+          <a:chOff x="0" y="0"/>
+          <a:chExt cx="0" cy="0"/>
+        </a:xfrm>
+      </p:grpSpPr>
+      <p:sp>
+        <p:nvSpPr>
           <p:cNvPr id="4" name="Slide Number Placeholder 3">
             <a:extLst>
               <a:ext uri="{FF2B5EF4-FFF2-40B4-BE49-F238E27FC236}">
@@ -45754,7 +45877,7 @@
           <a:p>
             <a:fld id="{8D581BC7-E183-40DB-AC97-C19EA4EB8894}" type="slidenum">
               <a:rPr lang="en-US" noProof="0" smtClean="0"/>
-              <a:t>12</a:t>
+              <a:t>13</a:t>
             </a:fld>
             <a:endParaRPr lang="en-US" noProof="0" dirty="0"/>
           </a:p>
@@ -46115,7 +46238,7 @@
           <a:p>
             <a:r>
               <a:rPr lang="en-US" dirty="0"/>
-              <a:t>Always do the best</a:t>
+              <a:t>Always  be your solution</a:t>
             </a:r>
           </a:p>
         </p:txBody>
@@ -50744,112 +50867,50 @@
           </p:spPr>
         </p:pic>
       </p:grpSp>
-      <p:grpSp>
-        <p:nvGrpSpPr>
-          <p:cNvPr id="12" name="Group 11">
-            <a:extLst>
-              <a:ext uri="{FF2B5EF4-FFF2-40B4-BE49-F238E27FC236}">
-                <a16:creationId xmlns:a16="http://schemas.microsoft.com/office/drawing/2014/main" id="{954F4EBB-45FD-45D5-9FED-9EC1B8A73CA7}"/>
-              </a:ext>
-            </a:extLst>
-          </p:cNvPr>
-          <p:cNvGrpSpPr/>
+      <p:pic>
+        <p:nvPicPr>
+          <p:cNvPr id="13" name="Picture 3">
+            <a:extLst>
+              <a:ext uri="{FF2B5EF4-FFF2-40B4-BE49-F238E27FC236}">
+                <a16:creationId xmlns:a16="http://schemas.microsoft.com/office/drawing/2014/main" id="{B30B9E3F-58A0-405A-9EEF-96407A902D5D}"/>
+              </a:ext>
+            </a:extLst>
+          </p:cNvPr>
+          <p:cNvPicPr>
+            <a:picLocks noChangeAspect="1"/>
+          </p:cNvPicPr>
           <p:nvPr/>
-        </p:nvGrpSpPr>
-        <p:grpSpPr>
+        </p:nvPicPr>
+        <p:blipFill>
+          <a:blip r:embed="rId4">
+            <a:alphaModFix amt="35000"/>
+          </a:blip>
+          <a:stretch>
+            <a:fillRect/>
+          </a:stretch>
+        </p:blipFill>
+        <p:spPr>
           <a:xfrm>
             <a:off x="61165" y="1755595"/>
             <a:ext cx="4124345" cy="5029164"/>
-            <a:chOff x="7754814" y="1909519"/>
-            <a:chExt cx="3387969" cy="4253006"/>
-          </a:xfrm>
-        </p:grpSpPr>
-        <p:pic>
-          <p:nvPicPr>
-            <p:cNvPr id="13" name="Picture 3">
-              <a:extLst>
-                <a:ext uri="{FF2B5EF4-FFF2-40B4-BE49-F238E27FC236}">
-                  <a16:creationId xmlns:a16="http://schemas.microsoft.com/office/drawing/2014/main" id="{B30B9E3F-58A0-405A-9EEF-96407A902D5D}"/>
-                </a:ext>
-              </a:extLst>
-            </p:cNvPr>
-            <p:cNvPicPr>
-              <a:picLocks noChangeAspect="1"/>
-            </p:cNvPicPr>
-            <p:nvPr/>
-          </p:nvPicPr>
-          <p:blipFill>
-            <a:blip r:embed="rId4">
-              <a:alphaModFix amt="35000"/>
-            </a:blip>
-            <a:stretch>
-              <a:fillRect/>
-            </a:stretch>
-          </p:blipFill>
-          <p:spPr>
-            <a:xfrm>
-              <a:off x="7754814" y="1909519"/>
-              <a:ext cx="3387969" cy="4253006"/>
-            </a:xfrm>
-            <a:prstGeom prst="rect">
-              <a:avLst/>
-            </a:prstGeom>
-            <a:ln>
-              <a:noFill/>
-            </a:ln>
-            <a:effectLst>
-              <a:softEdge rad="25400"/>
-            </a:effectLst>
-          </p:spPr>
-        </p:pic>
-        <p:pic>
-          <p:nvPicPr>
-            <p:cNvPr id="14" name="Picture 3">
-              <a:extLst>
-                <a:ext uri="{FF2B5EF4-FFF2-40B4-BE49-F238E27FC236}">
-                  <a16:creationId xmlns:a16="http://schemas.microsoft.com/office/drawing/2014/main" id="{1FDFB69A-9846-4610-8295-0DE2F2653B3B}"/>
-                </a:ext>
-              </a:extLst>
-            </p:cNvPr>
-            <p:cNvPicPr>
-              <a:picLocks noChangeAspect="1"/>
-            </p:cNvPicPr>
-            <p:nvPr/>
-          </p:nvPicPr>
-          <p:blipFill rotWithShape="1">
-            <a:blip r:embed="rId4">
-              <a:alphaModFix/>
-            </a:blip>
-            <a:srcRect l="1" t="70052" r="518" b="25732"/>
-            <a:stretch/>
-          </p:blipFill>
-          <p:spPr>
-            <a:xfrm>
-              <a:off x="7763606" y="4897697"/>
-              <a:ext cx="3370384" cy="179294"/>
-            </a:xfrm>
-            <a:prstGeom prst="rect">
-              <a:avLst/>
-            </a:prstGeom>
-            <a:ln>
-              <a:noFill/>
-            </a:ln>
-            <a:effectLst>
-              <a:outerShdw blurRad="292100" dist="139700" dir="2700000" algn="tl" rotWithShape="0">
-                <a:srgbClr val="333333">
-                  <a:alpha val="65000"/>
-                </a:srgbClr>
-              </a:outerShdw>
-            </a:effectLst>
-          </p:spPr>
-        </p:pic>
-      </p:grpSp>
-      <p:sp>
-        <p:nvSpPr>
-          <p:cNvPr id="15" name="Rectangle: Rounded Corners 14">
-            <a:extLst>
-              <a:ext uri="{FF2B5EF4-FFF2-40B4-BE49-F238E27FC236}">
-                <a16:creationId xmlns:a16="http://schemas.microsoft.com/office/drawing/2014/main" id="{DFE90CD5-77F2-43D9-9191-DF59C0E25341}"/>
+          </a:xfrm>
+          <a:prstGeom prst="rect">
+            <a:avLst/>
+          </a:prstGeom>
+          <a:ln>
+            <a:noFill/>
+          </a:ln>
+          <a:effectLst>
+            <a:softEdge rad="25400"/>
+          </a:effectLst>
+        </p:spPr>
+      </p:pic>
+      <p:sp>
+        <p:nvSpPr>
+          <p:cNvPr id="16" name="Rectangle: Rounded Corners 15">
+            <a:extLst>
+              <a:ext uri="{FF2B5EF4-FFF2-40B4-BE49-F238E27FC236}">
+                <a16:creationId xmlns:a16="http://schemas.microsoft.com/office/drawing/2014/main" id="{588AFB68-6759-453F-8703-A5812105DC05}"/>
               </a:ext>
             </a:extLst>
           </p:cNvPr>
@@ -50858,7 +50919,7 @@
         </p:nvSpPr>
         <p:spPr>
           <a:xfrm>
-            <a:off x="417590" y="275220"/>
+            <a:off x="3116704" y="3484272"/>
             <a:ext cx="2617694" cy="1571811"/>
           </a:xfrm>
           <a:prstGeom prst="roundRect">
@@ -50910,10 +50971,10 @@
       </p:sp>
       <p:sp>
         <p:nvSpPr>
-          <p:cNvPr id="16" name="Rectangle: Rounded Corners 15">
-            <a:extLst>
-              <a:ext uri="{FF2B5EF4-FFF2-40B4-BE49-F238E27FC236}">
-                <a16:creationId xmlns:a16="http://schemas.microsoft.com/office/drawing/2014/main" id="{588AFB68-6759-453F-8703-A5812105DC05}"/>
+          <p:cNvPr id="17" name="Rectangle: Rounded Corners 16">
+            <a:extLst>
+              <a:ext uri="{FF2B5EF4-FFF2-40B4-BE49-F238E27FC236}">
+                <a16:creationId xmlns:a16="http://schemas.microsoft.com/office/drawing/2014/main" id="{71CDDEB2-D47C-4F51-93B1-B542DD84171A}"/>
               </a:ext>
             </a:extLst>
           </p:cNvPr>
@@ -50922,7 +50983,7 @@
         </p:nvSpPr>
         <p:spPr>
           <a:xfrm>
-            <a:off x="3116704" y="3484272"/>
+            <a:off x="8408525" y="4852508"/>
             <a:ext cx="2617694" cy="1571811"/>
           </a:xfrm>
           <a:prstGeom prst="roundRect">
@@ -50974,10 +51035,173 @@
       </p:sp>
       <p:sp>
         <p:nvSpPr>
-          <p:cNvPr id="17" name="Rectangle: Rounded Corners 16">
-            <a:extLst>
-              <a:ext uri="{FF2B5EF4-FFF2-40B4-BE49-F238E27FC236}">
-                <a16:creationId xmlns:a16="http://schemas.microsoft.com/office/drawing/2014/main" id="{71CDDEB2-D47C-4F51-93B1-B542DD84171A}"/>
+          <p:cNvPr id="4" name="Slide Number Placeholder 3">
+            <a:extLst>
+              <a:ext uri="{FF2B5EF4-FFF2-40B4-BE49-F238E27FC236}">
+                <a16:creationId xmlns:a16="http://schemas.microsoft.com/office/drawing/2014/main" id="{FC5693D1-0899-4628-96BB-E3C89C85C737}"/>
+              </a:ext>
+            </a:extLst>
+          </p:cNvPr>
+          <p:cNvSpPr>
+            <a:spLocks noGrp="1"/>
+          </p:cNvSpPr>
+          <p:nvPr>
+            <p:ph type="sldNum" sz="quarter" idx="12"/>
+          </p:nvPr>
+        </p:nvSpPr>
+        <p:spPr/>
+        <p:txBody>
+          <a:bodyPr/>
+          <a:lstStyle/>
+          <a:p>
+            <a:fld id="{8D581BC7-E183-40DB-AC97-C19EA4EB8894}" type="slidenum">
+              <a:rPr lang="en-US" noProof="0" smtClean="0"/>
+              <a:pPr/>
+              <a:t>9</a:t>
+            </a:fld>
+            <a:endParaRPr lang="en-US" noProof="0" dirty="0"/>
+          </a:p>
+        </p:txBody>
+      </p:sp>
+      <p:sp>
+        <p:nvSpPr>
+          <p:cNvPr id="5" name="Footer Placeholder 2">
+            <a:extLst>
+              <a:ext uri="{FF2B5EF4-FFF2-40B4-BE49-F238E27FC236}">
+                <a16:creationId xmlns:a16="http://schemas.microsoft.com/office/drawing/2014/main" id="{7B8E092E-B2B8-43C3-8E50-9AF982C92BF4}"/>
+              </a:ext>
+            </a:extLst>
+          </p:cNvPr>
+          <p:cNvSpPr>
+            <a:spLocks noGrp="1"/>
+          </p:cNvSpPr>
+          <p:nvPr>
+            <p:ph type="ftr" sz="quarter" idx="11"/>
+          </p:nvPr>
+        </p:nvSpPr>
+        <p:spPr>
+          <a:xfrm>
+            <a:off x="1180120" y="5878720"/>
+            <a:ext cx="2915733" cy="298800"/>
+          </a:xfrm>
+        </p:spPr>
+        <p:txBody>
+          <a:bodyPr/>
+          <a:lstStyle/>
+          <a:p>
+            <a:r>
+              <a:rPr lang="en-US" dirty="0" err="1"/>
+              <a:t>Zafirul</a:t>
+            </a:r>
+            <a:r>
+              <a:rPr lang="en-US" dirty="0"/>
+              <a:t> and Ammar</a:t>
+            </a:r>
+            <a:endParaRPr lang="en-US" noProof="0" dirty="0"/>
+          </a:p>
+        </p:txBody>
+      </p:sp>
+      <p:grpSp>
+        <p:nvGrpSpPr>
+          <p:cNvPr id="21" name="Group 20">
+            <a:extLst>
+              <a:ext uri="{FF2B5EF4-FFF2-40B4-BE49-F238E27FC236}">
+                <a16:creationId xmlns:a16="http://schemas.microsoft.com/office/drawing/2014/main" id="{282F1349-2A1D-4673-9BB0-69417AFA799A}"/>
+              </a:ext>
+            </a:extLst>
+          </p:cNvPr>
+          <p:cNvGrpSpPr/>
+          <p:nvPr/>
+        </p:nvGrpSpPr>
+        <p:grpSpPr>
+          <a:xfrm>
+            <a:off x="2366220" y="-2210785"/>
+            <a:ext cx="6035233" cy="5812925"/>
+            <a:chOff x="2355290" y="-2219399"/>
+            <a:chExt cx="6035233" cy="5812925"/>
+          </a:xfrm>
+        </p:grpSpPr>
+        <p:pic>
+          <p:nvPicPr>
+            <p:cNvPr id="3" name="Picture 2">
+              <a:extLst>
+                <a:ext uri="{FF2B5EF4-FFF2-40B4-BE49-F238E27FC236}">
+                  <a16:creationId xmlns:a16="http://schemas.microsoft.com/office/drawing/2014/main" id="{3F3F15E8-007E-40E9-B3A6-8C0848EFBFF0}"/>
+                </a:ext>
+              </a:extLst>
+            </p:cNvPr>
+            <p:cNvPicPr>
+              <a:picLocks noChangeAspect="1"/>
+            </p:cNvPicPr>
+            <p:nvPr/>
+          </p:nvPicPr>
+          <p:blipFill>
+            <a:blip r:embed="rId5">
+              <a:alphaModFix amt="35000"/>
+            </a:blip>
+            <a:stretch>
+              <a:fillRect/>
+            </a:stretch>
+          </p:blipFill>
+          <p:spPr>
+            <a:xfrm>
+              <a:off x="2355290" y="-2219399"/>
+              <a:ext cx="6035233" cy="5812925"/>
+            </a:xfrm>
+            <a:prstGeom prst="rect">
+              <a:avLst/>
+            </a:prstGeom>
+            <a:ln>
+              <a:noFill/>
+            </a:ln>
+            <a:effectLst>
+              <a:softEdge rad="112500"/>
+            </a:effectLst>
+          </p:spPr>
+        </p:pic>
+        <p:pic>
+          <p:nvPicPr>
+            <p:cNvPr id="20" name="Picture 19">
+              <a:extLst>
+                <a:ext uri="{FF2B5EF4-FFF2-40B4-BE49-F238E27FC236}">
+                  <a16:creationId xmlns:a16="http://schemas.microsoft.com/office/drawing/2014/main" id="{C701815C-85B9-47CC-A628-CE521B759C35}"/>
+                </a:ext>
+              </a:extLst>
+            </p:cNvPr>
+            <p:cNvPicPr>
+              <a:picLocks noChangeAspect="1"/>
+            </p:cNvPicPr>
+            <p:nvPr/>
+          </p:nvPicPr>
+          <p:blipFill rotWithShape="1">
+            <a:blip r:embed="rId5"/>
+            <a:srcRect l="-1" t="80110" r="58239" b="17367"/>
+            <a:stretch/>
+          </p:blipFill>
+          <p:spPr>
+            <a:xfrm>
+              <a:off x="2373292" y="2397909"/>
+              <a:ext cx="2735803" cy="159143"/>
+            </a:xfrm>
+            <a:prstGeom prst="rect">
+              <a:avLst/>
+            </a:prstGeom>
+            <a:effectLst>
+              <a:outerShdw blurRad="50800" dist="38100" dir="2700000" algn="tl" rotWithShape="0">
+                <a:prstClr val="black">
+                  <a:alpha val="40000"/>
+                </a:prstClr>
+              </a:outerShdw>
+            </a:effectLst>
+          </p:spPr>
+        </p:pic>
+      </p:grpSp>
+      <p:sp>
+        <p:nvSpPr>
+          <p:cNvPr id="15" name="Rectangle: Rounded Corners 14">
+            <a:extLst>
+              <a:ext uri="{FF2B5EF4-FFF2-40B4-BE49-F238E27FC236}">
+                <a16:creationId xmlns:a16="http://schemas.microsoft.com/office/drawing/2014/main" id="{DFE90CD5-77F2-43D9-9191-DF59C0E25341}"/>
               </a:ext>
             </a:extLst>
           </p:cNvPr>
@@ -50986,7 +51210,7 @@
         </p:nvSpPr>
         <p:spPr>
           <a:xfrm>
-            <a:off x="8408525" y="4852508"/>
+            <a:off x="417590" y="275220"/>
             <a:ext cx="2617694" cy="1571811"/>
           </a:xfrm>
           <a:prstGeom prst="roundRect">
@@ -51050,7 +51274,7 @@
         </p:nvSpPr>
         <p:spPr>
           <a:xfrm>
-            <a:off x="6042607" y="657714"/>
+            <a:off x="6042607" y="1136393"/>
             <a:ext cx="2617694" cy="1571811"/>
           </a:xfrm>
           <a:prstGeom prst="roundRect">
@@ -51100,71 +51324,307 @@
           </a:p>
         </p:txBody>
       </p:sp>
-      <p:sp>
-        <p:nvSpPr>
-          <p:cNvPr id="4" name="Slide Number Placeholder 3">
-            <a:extLst>
-              <a:ext uri="{FF2B5EF4-FFF2-40B4-BE49-F238E27FC236}">
-                <a16:creationId xmlns:a16="http://schemas.microsoft.com/office/drawing/2014/main" id="{FC5693D1-0899-4628-96BB-E3C89C85C737}"/>
-              </a:ext>
-            </a:extLst>
-          </p:cNvPr>
-          <p:cNvSpPr>
-            <a:spLocks noGrp="1"/>
-          </p:cNvSpPr>
-          <p:nvPr>
-            <p:ph type="sldNum" sz="quarter" idx="12"/>
-          </p:nvPr>
-        </p:nvSpPr>
-        <p:spPr/>
-        <p:txBody>
-          <a:bodyPr/>
-          <a:lstStyle/>
-          <a:p>
-            <a:fld id="{8D581BC7-E183-40DB-AC97-C19EA4EB8894}" type="slidenum">
-              <a:rPr lang="en-US" noProof="0" smtClean="0"/>
-              <a:pPr/>
-              <a:t>9</a:t>
-            </a:fld>
-            <a:endParaRPr lang="en-US" noProof="0" dirty="0"/>
-          </a:p>
-        </p:txBody>
-      </p:sp>
-      <p:sp>
-        <p:nvSpPr>
-          <p:cNvPr id="5" name="Footer Placeholder 2">
-            <a:extLst>
-              <a:ext uri="{FF2B5EF4-FFF2-40B4-BE49-F238E27FC236}">
-                <a16:creationId xmlns:a16="http://schemas.microsoft.com/office/drawing/2014/main" id="{7B8E092E-B2B8-43C3-8E50-9AF982C92BF4}"/>
-              </a:ext>
-            </a:extLst>
-          </p:cNvPr>
-          <p:cNvSpPr>
-            <a:spLocks noGrp="1"/>
-          </p:cNvSpPr>
-          <p:nvPr>
-            <p:ph type="ftr" sz="quarter" idx="11"/>
-          </p:nvPr>
-        </p:nvSpPr>
+      <p:pic>
+        <p:nvPicPr>
+          <p:cNvPr id="23" name="Picture 22">
+            <a:extLst>
+              <a:ext uri="{FF2B5EF4-FFF2-40B4-BE49-F238E27FC236}">
+                <a16:creationId xmlns:a16="http://schemas.microsoft.com/office/drawing/2014/main" id="{1E928A52-63A3-4EEB-AD78-24CDB44D059F}"/>
+              </a:ext>
+            </a:extLst>
+          </p:cNvPr>
+          <p:cNvPicPr>
+            <a:picLocks noChangeAspect="1"/>
+          </p:cNvPicPr>
+          <p:nvPr/>
+        </p:nvPicPr>
+        <p:blipFill rotWithShape="1">
+          <a:blip r:embed="rId6"/>
+          <a:srcRect t="85427" b="8339"/>
+          <a:stretch/>
+        </p:blipFill>
         <p:spPr>
           <a:xfrm>
-            <a:off x="1180120" y="5878720"/>
-            <a:ext cx="2915733" cy="298800"/>
-          </a:xfrm>
+            <a:off x="0" y="5293814"/>
+            <a:ext cx="4186593" cy="210371"/>
+          </a:xfrm>
+          <a:prstGeom prst="rect">
+            <a:avLst/>
+          </a:prstGeom>
+          <a:effectLst>
+            <a:outerShdw blurRad="50800" dist="38100" dir="2700000" algn="tl" rotWithShape="0">
+              <a:prstClr val="black">
+                <a:alpha val="40000"/>
+              </a:prstClr>
+            </a:outerShdw>
+          </a:effectLst>
         </p:spPr>
-        <p:txBody>
-          <a:bodyPr/>
+      </p:pic>
+      <p:sp>
+        <p:nvSpPr>
+          <p:cNvPr id="25" name="Arrow: Bent-Up 24">
+            <a:extLst>
+              <a:ext uri="{FF2B5EF4-FFF2-40B4-BE49-F238E27FC236}">
+                <a16:creationId xmlns:a16="http://schemas.microsoft.com/office/drawing/2014/main" id="{7739425F-7437-441C-A9B6-51638A063744}"/>
+              </a:ext>
+            </a:extLst>
+          </p:cNvPr>
+          <p:cNvSpPr/>
+          <p:nvPr/>
+        </p:nvSpPr>
+        <p:spPr>
+          <a:xfrm rot="10800000">
+            <a:off x="2473176" y="4173101"/>
+            <a:ext cx="490953" cy="900800"/>
+          </a:xfrm>
+          <a:prstGeom prst="bentUpArrow">
+            <a:avLst/>
+          </a:prstGeom>
+          <a:solidFill>
+            <a:schemeClr val="bg2"/>
+          </a:solidFill>
+          <a:ln>
+            <a:solidFill>
+              <a:schemeClr val="bg2"/>
+            </a:solidFill>
+          </a:ln>
+          <a:scene3d>
+            <a:camera prst="orthographicFront"/>
+            <a:lightRig rig="threePt" dir="t"/>
+          </a:scene3d>
+          <a:sp3d>
+            <a:bevelT/>
+          </a:sp3d>
+        </p:spPr>
+        <p:style>
+          <a:lnRef idx="2">
+            <a:schemeClr val="accent1">
+              <a:shade val="50000"/>
+            </a:schemeClr>
+          </a:lnRef>
+          <a:fillRef idx="1">
+            <a:schemeClr val="accent1"/>
+          </a:fillRef>
+          <a:effectRef idx="0">
+            <a:schemeClr val="accent1"/>
+          </a:effectRef>
+          <a:fontRef idx="minor">
+            <a:schemeClr val="lt1"/>
+          </a:fontRef>
+        </p:style>
+        <p:txBody>
+          <a:bodyPr rot="0" spcFirstLastPara="0" vertOverflow="overflow" horzOverflow="overflow" vert="horz" wrap="square" lIns="91440" tIns="45720" rIns="91440" bIns="45720" numCol="1" spcCol="0" rtlCol="0" fromWordArt="0" anchor="ctr" anchorCtr="0" forceAA="0" compatLnSpc="1">
+            <a:prstTxWarp prst="textNoShape">
+              <a:avLst/>
+            </a:prstTxWarp>
+            <a:noAutofit/>
+          </a:bodyPr>
           <a:lstStyle/>
           <a:p>
-            <a:r>
-              <a:rPr lang="en-US" dirty="0" err="1"/>
-              <a:t>Zafirul</a:t>
-            </a:r>
-            <a:r>
-              <a:rPr lang="en-US" dirty="0"/>
-              <a:t> and Ammar</a:t>
-            </a:r>
-            <a:endParaRPr lang="en-US" noProof="0" dirty="0"/>
+            <a:pPr algn="ctr"/>
+            <a:endParaRPr lang="en-GB" dirty="0"/>
+          </a:p>
+        </p:txBody>
+      </p:sp>
+      <p:sp>
+        <p:nvSpPr>
+          <p:cNvPr id="28" name="Arrow: Bent-Up 27">
+            <a:extLst>
+              <a:ext uri="{FF2B5EF4-FFF2-40B4-BE49-F238E27FC236}">
+                <a16:creationId xmlns:a16="http://schemas.microsoft.com/office/drawing/2014/main" id="{22995BDC-D319-47E7-BB88-5DE9AB1CE361}"/>
+              </a:ext>
+            </a:extLst>
+          </p:cNvPr>
+          <p:cNvSpPr/>
+          <p:nvPr/>
+        </p:nvSpPr>
+        <p:spPr>
+          <a:xfrm rot="10800000" flipH="1">
+            <a:off x="3211874" y="1180258"/>
+            <a:ext cx="540249" cy="988533"/>
+          </a:xfrm>
+          <a:prstGeom prst="bentUpArrow">
+            <a:avLst>
+              <a:gd name="adj1" fmla="val 26250"/>
+              <a:gd name="adj2" fmla="val 25000"/>
+              <a:gd name="adj3" fmla="val 25000"/>
+            </a:avLst>
+          </a:prstGeom>
+          <a:solidFill>
+            <a:schemeClr val="bg2"/>
+          </a:solidFill>
+          <a:ln>
+            <a:solidFill>
+              <a:schemeClr val="tx2"/>
+            </a:solidFill>
+          </a:ln>
+          <a:scene3d>
+            <a:camera prst="orthographicFront"/>
+            <a:lightRig rig="threePt" dir="t"/>
+          </a:scene3d>
+          <a:sp3d>
+            <a:bevelT/>
+          </a:sp3d>
+        </p:spPr>
+        <p:style>
+          <a:lnRef idx="2">
+            <a:schemeClr val="accent1">
+              <a:shade val="50000"/>
+            </a:schemeClr>
+          </a:lnRef>
+          <a:fillRef idx="1">
+            <a:schemeClr val="accent1"/>
+          </a:fillRef>
+          <a:effectRef idx="0">
+            <a:schemeClr val="accent1"/>
+          </a:effectRef>
+          <a:fontRef idx="minor">
+            <a:schemeClr val="lt1"/>
+          </a:fontRef>
+        </p:style>
+        <p:txBody>
+          <a:bodyPr rot="0" spcFirstLastPara="0" vertOverflow="overflow" horzOverflow="overflow" vert="horz" wrap="square" lIns="91440" tIns="45720" rIns="91440" bIns="45720" numCol="1" spcCol="0" rtlCol="0" fromWordArt="0" anchor="ctr" anchorCtr="0" forceAA="0" compatLnSpc="1">
+            <a:prstTxWarp prst="textNoShape">
+              <a:avLst/>
+            </a:prstTxWarp>
+            <a:noAutofit/>
+          </a:bodyPr>
+          <a:lstStyle/>
+          <a:p>
+            <a:pPr algn="ctr"/>
+            <a:endParaRPr lang="en-GB" dirty="0"/>
+          </a:p>
+        </p:txBody>
+      </p:sp>
+      <p:sp>
+        <p:nvSpPr>
+          <p:cNvPr id="29" name="Arrow: Bent-Up 28">
+            <a:extLst>
+              <a:ext uri="{FF2B5EF4-FFF2-40B4-BE49-F238E27FC236}">
+                <a16:creationId xmlns:a16="http://schemas.microsoft.com/office/drawing/2014/main" id="{A79BA24F-E1A9-4FC8-8901-3E5E6B4AA646}"/>
+              </a:ext>
+            </a:extLst>
+          </p:cNvPr>
+          <p:cNvSpPr/>
+          <p:nvPr/>
+        </p:nvSpPr>
+        <p:spPr>
+          <a:xfrm rot="16200000">
+            <a:off x="8960734" y="3811454"/>
+            <a:ext cx="490953" cy="900800"/>
+          </a:xfrm>
+          <a:prstGeom prst="bentUpArrow">
+            <a:avLst/>
+          </a:prstGeom>
+          <a:solidFill>
+            <a:schemeClr val="bg2"/>
+          </a:solidFill>
+          <a:ln>
+            <a:solidFill>
+              <a:schemeClr val="tx2"/>
+            </a:solidFill>
+          </a:ln>
+          <a:scene3d>
+            <a:camera prst="orthographicFront"/>
+            <a:lightRig rig="threePt" dir="t"/>
+          </a:scene3d>
+          <a:sp3d>
+            <a:bevelT/>
+          </a:sp3d>
+        </p:spPr>
+        <p:style>
+          <a:lnRef idx="2">
+            <a:schemeClr val="accent1">
+              <a:shade val="50000"/>
+            </a:schemeClr>
+          </a:lnRef>
+          <a:fillRef idx="1">
+            <a:schemeClr val="accent1"/>
+          </a:fillRef>
+          <a:effectRef idx="0">
+            <a:schemeClr val="accent1"/>
+          </a:effectRef>
+          <a:fontRef idx="minor">
+            <a:schemeClr val="lt1"/>
+          </a:fontRef>
+        </p:style>
+        <p:txBody>
+          <a:bodyPr rot="0" spcFirstLastPara="0" vertOverflow="overflow" horzOverflow="overflow" vert="horz" wrap="square" lIns="91440" tIns="45720" rIns="91440" bIns="45720" numCol="1" spcCol="0" rtlCol="0" fromWordArt="0" anchor="ctr" anchorCtr="0" forceAA="0" compatLnSpc="1">
+            <a:prstTxWarp prst="textNoShape">
+              <a:avLst/>
+            </a:prstTxWarp>
+            <a:noAutofit/>
+          </a:bodyPr>
+          <a:lstStyle/>
+          <a:p>
+            <a:pPr algn="ctr"/>
+            <a:endParaRPr lang="en-GB" dirty="0"/>
+          </a:p>
+        </p:txBody>
+      </p:sp>
+      <p:sp>
+        <p:nvSpPr>
+          <p:cNvPr id="30" name="Arrow: Bent-Up 29">
+            <a:extLst>
+              <a:ext uri="{FF2B5EF4-FFF2-40B4-BE49-F238E27FC236}">
+                <a16:creationId xmlns:a16="http://schemas.microsoft.com/office/drawing/2014/main" id="{352EC4A8-5C66-493D-A7F3-EA3A33186DB2}"/>
+              </a:ext>
+            </a:extLst>
+          </p:cNvPr>
+          <p:cNvSpPr/>
+          <p:nvPr/>
+        </p:nvSpPr>
+        <p:spPr>
+          <a:xfrm>
+            <a:off x="8930079" y="946231"/>
+            <a:ext cx="490953" cy="900800"/>
+          </a:xfrm>
+          <a:prstGeom prst="bentUpArrow">
+            <a:avLst/>
+          </a:prstGeom>
+          <a:solidFill>
+            <a:schemeClr val="bg2"/>
+          </a:solidFill>
+          <a:ln>
+            <a:solidFill>
+              <a:schemeClr val="tx2"/>
+            </a:solidFill>
+          </a:ln>
+          <a:scene3d>
+            <a:camera prst="orthographicFront"/>
+            <a:lightRig rig="threePt" dir="t"/>
+          </a:scene3d>
+          <a:sp3d>
+            <a:bevelT/>
+          </a:sp3d>
+        </p:spPr>
+        <p:style>
+          <a:lnRef idx="2">
+            <a:schemeClr val="accent1">
+              <a:shade val="50000"/>
+            </a:schemeClr>
+          </a:lnRef>
+          <a:fillRef idx="1">
+            <a:schemeClr val="accent1"/>
+          </a:fillRef>
+          <a:effectRef idx="0">
+            <a:schemeClr val="accent1"/>
+          </a:effectRef>
+          <a:fontRef idx="minor">
+            <a:schemeClr val="lt1"/>
+          </a:fontRef>
+        </p:style>
+        <p:txBody>
+          <a:bodyPr rot="0" spcFirstLastPara="0" vertOverflow="overflow" horzOverflow="overflow" vert="horz" wrap="square" lIns="91440" tIns="45720" rIns="91440" bIns="45720" numCol="1" spcCol="0" rtlCol="0" fromWordArt="0" anchor="ctr" anchorCtr="0" forceAA="0" compatLnSpc="1">
+            <a:prstTxWarp prst="textNoShape">
+              <a:avLst/>
+            </a:prstTxWarp>
+            <a:noAutofit/>
+          </a:bodyPr>
+          <a:lstStyle/>
+          <a:p>
+            <a:pPr algn="ctr"/>
+            <a:endParaRPr lang="en-GB"/>
           </a:p>
         </p:txBody>
       </p:sp>
@@ -52020,14 +52480,6 @@
 </file>
 
 <file path=customXml/item2.xml><?xml version="1.0" encoding="utf-8"?>
-<p:properties xmlns:p="http://schemas.microsoft.com/office/2006/metadata/properties" xmlns:xsi="http://www.w3.org/2001/XMLSchema-instance" xmlns:pc="http://schemas.microsoft.com/office/infopath/2007/PartnerControls">
-  <documentManagement>
-    <MediaServiceKeyPoints xmlns="71af3243-3dd4-4a8d-8c0d-dd76da1f02a5" xsi:nil="true"/>
-  </documentManagement>
-</p:properties>
-</file>
-
-<file path=customXml/item3.xml><?xml version="1.0" encoding="utf-8"?>
 <ct:contentTypeSchema xmlns:ct="http://schemas.microsoft.com/office/2006/metadata/contentType" xmlns:ma="http://schemas.microsoft.com/office/2006/metadata/properties/metaAttributes" ct:_="" ma:_="" ma:contentTypeName="Document" ma:contentTypeID="0x01010079F111ED35F8CC479449609E8A0923A6" ma:contentTypeVersion="11" ma:contentTypeDescription="Create a new document." ma:contentTypeScope="" ma:versionID="96291512c1ee715ab617f4c07df79fc1">
   <xsd:schema xmlns:xsd="http://www.w3.org/2001/XMLSchema" xmlns:xs="http://www.w3.org/2001/XMLSchema" xmlns:p="http://schemas.microsoft.com/office/2006/metadata/properties" xmlns:ns2="71af3243-3dd4-4a8d-8c0d-dd76da1f02a5" xmlns:ns3="16c05727-aa75-4e4a-9b5f-8a80a1165891" targetNamespace="http://schemas.microsoft.com/office/2006/metadata/properties" ma:root="true" ma:fieldsID="8256c27c40ca5c40ce1cf6c44f0205df" ns2:_="" ns3:_="">
     <xsd:import namespace="71af3243-3dd4-4a8d-8c0d-dd76da1f02a5"/>
@@ -52238,6 +52690,14 @@
 </ct:contentTypeSchema>
 </file>
 
+<file path=customXml/item3.xml><?xml version="1.0" encoding="utf-8"?>
+<p:properties xmlns:p="http://schemas.microsoft.com/office/2006/metadata/properties" xmlns:xsi="http://www.w3.org/2001/XMLSchema-instance" xmlns:pc="http://schemas.microsoft.com/office/infopath/2007/PartnerControls">
+  <documentManagement>
+    <MediaServiceKeyPoints xmlns="71af3243-3dd4-4a8d-8c0d-dd76da1f02a5" xsi:nil="true"/>
+  </documentManagement>
+</p:properties>
+</file>
+
 <file path=customXml/itemProps1.xml><?xml version="1.0" encoding="utf-8"?>
 <ds:datastoreItem xmlns:ds="http://schemas.openxmlformats.org/officeDocument/2006/customXml" ds:itemID="{01743C61-8CA7-48FF-B2A3-6055DA854CF6}">
   <ds:schemaRefs>
@@ -52247,16 +52707,6 @@
 </file>
 
 <file path=customXml/itemProps2.xml><?xml version="1.0" encoding="utf-8"?>
-<ds:datastoreItem xmlns:ds="http://schemas.openxmlformats.org/officeDocument/2006/customXml" ds:itemID="{D726A944-A9F4-4295-9B5E-C397EB1318B9}">
-  <ds:schemaRefs>
-    <ds:schemaRef ds:uri="http://schemas.microsoft.com/office/2006/metadata/properties"/>
-    <ds:schemaRef ds:uri="http://schemas.microsoft.com/office/infopath/2007/PartnerControls"/>
-    <ds:schemaRef ds:uri="71af3243-3dd4-4a8d-8c0d-dd76da1f02a5"/>
-  </ds:schemaRefs>
-</ds:datastoreItem>
-</file>
-
-<file path=customXml/itemProps3.xml><?xml version="1.0" encoding="utf-8"?>
 <ds:datastoreItem xmlns:ds="http://schemas.openxmlformats.org/officeDocument/2006/customXml" ds:itemID="{472965D8-9C19-4E48-8421-5D6B21FC440C}">
   <ds:schemaRefs>
     <ds:schemaRef ds:uri="http://schemas.microsoft.com/office/2006/metadata/contentType"/>
@@ -52273,4 +52723,14 @@
     <ds:schemaRef ds:uri="http://schemas.microsoft.com/internal/obd"/>
   </ds:schemaRefs>
 </ds:datastoreItem>
+</file>
+
+<file path=customXml/itemProps3.xml><?xml version="1.0" encoding="utf-8"?>
+<ds:datastoreItem xmlns:ds="http://schemas.openxmlformats.org/officeDocument/2006/customXml" ds:itemID="{D726A944-A9F4-4295-9B5E-C397EB1318B9}">
+  <ds:schemaRefs>
+    <ds:schemaRef ds:uri="http://schemas.microsoft.com/office/2006/metadata/properties"/>
+    <ds:schemaRef ds:uri="http://schemas.microsoft.com/office/infopath/2007/PartnerControls"/>
+    <ds:schemaRef ds:uri="71af3243-3dd4-4a8d-8c0d-dd76da1f02a5"/>
+  </ds:schemaRefs>
+</ds:datastoreItem>
 </file>
--- a/SMART HOME.pptx
+++ b/SMART HOME.pptx
@@ -1002,7 +1002,7 @@
           <a:p>
             <a:fld id="{CDA3C146-E2BA-41EA-8AE9-0C67692768F2}" type="datetimeFigureOut">
               <a:rPr lang="en-US" smtClean="0"/>
-              <a:t>1/18/2021</a:t>
+              <a:t>1/24/2021</a:t>
             </a:fld>
             <a:endParaRPr lang="en-US" dirty="0"/>
           </a:p>
@@ -1179,7 +1179,7 @@
           <a:p>
             <a:fld id="{1F7D3EB6-8099-4744-9273-C8C1DD61A2EA}" type="datetimeFigureOut">
               <a:rPr lang="en-US" noProof="0" smtClean="0"/>
-              <a:t>1/18/2021</a:t>
+              <a:t>1/24/2021</a:t>
             </a:fld>
             <a:endParaRPr lang="en-US" noProof="0" dirty="0"/>
           </a:p>
@@ -50420,12 +50420,46 @@
           </a:p>
         </p:txBody>
       </p:sp>
+      <p:sp>
+        <p:nvSpPr>
+          <p:cNvPr id="10" name="Footer Placeholder 2">
+            <a:extLst>
+              <a:ext uri="{FF2B5EF4-FFF2-40B4-BE49-F238E27FC236}">
+                <a16:creationId xmlns:a16="http://schemas.microsoft.com/office/drawing/2014/main" id="{301D342C-B297-470F-8C59-4035F5578ADF}"/>
+              </a:ext>
+            </a:extLst>
+          </p:cNvPr>
+          <p:cNvSpPr>
+            <a:spLocks noGrp="1"/>
+          </p:cNvSpPr>
+          <p:nvPr>
+            <p:ph type="ftr" sz="quarter" idx="11"/>
+          </p:nvPr>
+        </p:nvSpPr>
+        <p:spPr>
+          <a:xfrm>
+            <a:off x="1169960" y="5878720"/>
+            <a:ext cx="2915733" cy="298800"/>
+          </a:xfrm>
+        </p:spPr>
+        <p:txBody>
+          <a:bodyPr/>
+          <a:lstStyle/>
+          <a:p>
+            <a:r>
+              <a:rPr lang="en-US" noProof="0" dirty="0" err="1"/>
+              <a:t>Hadi</a:t>
+            </a:r>
+            <a:endParaRPr lang="en-US" noProof="0" dirty="0"/>
+          </a:p>
+        </p:txBody>
+      </p:sp>
       <p:pic>
         <p:nvPicPr>
-          <p:cNvPr id="3" name="Picture 2" descr="Diagram&#10;&#10;Description automatically generated">
-            <a:extLst>
-              <a:ext uri="{FF2B5EF4-FFF2-40B4-BE49-F238E27FC236}">
-                <a16:creationId xmlns:a16="http://schemas.microsoft.com/office/drawing/2014/main" id="{691D6EF4-D1EF-4A63-AC04-3A653C92BCF3}"/>
+          <p:cNvPr id="7" name="Picture 6" descr="Diagram&#10;&#10;Description automatically generated">
+            <a:extLst>
+              <a:ext uri="{FF2B5EF4-FFF2-40B4-BE49-F238E27FC236}">
+                <a16:creationId xmlns:a16="http://schemas.microsoft.com/office/drawing/2014/main" id="{96BA579B-E839-4B69-9A13-11B7960CC3EE}"/>
               </a:ext>
             </a:extLst>
           </p:cNvPr>
@@ -50442,74 +50476,14 @@
         </p:blipFill>
         <p:spPr>
           <a:xfrm>
-            <a:off x="1775830" y="433240"/>
-            <a:ext cx="8640340" cy="5347800"/>
-          </a:xfrm>
-          <a:prstGeom prst="roundRect">
-            <a:avLst>
-              <a:gd name="adj" fmla="val 4167"/>
-            </a:avLst>
+            <a:off x="700087" y="256331"/>
+            <a:ext cx="10791825" cy="5622389"/>
+          </a:xfrm>
+          <a:prstGeom prst="rect">
+            <a:avLst/>
           </a:prstGeom>
-          <a:solidFill>
-            <a:srgbClr val="FFFFFF"/>
-          </a:solidFill>
-          <a:ln w="76200" cap="sq">
-            <a:solidFill>
-              <a:srgbClr val="EAEAEA"/>
-            </a:solidFill>
-            <a:miter lim="800000"/>
-          </a:ln>
-          <a:effectLst>
-            <a:reflection blurRad="12700" stA="33000" endPos="28000" dist="5000" dir="5400000" sy="-100000" algn="bl" rotWithShape="0"/>
-          </a:effectLst>
-          <a:scene3d>
-            <a:camera prst="orthographicFront"/>
-            <a:lightRig rig="threePt" dir="t">
-              <a:rot lat="0" lon="0" rev="2700000"/>
-            </a:lightRig>
-          </a:scene3d>
-          <a:sp3d contourW="6350">
-            <a:bevelT h="38100"/>
-            <a:contourClr>
-              <a:srgbClr val="C0C0C0"/>
-            </a:contourClr>
-          </a:sp3d>
         </p:spPr>
       </p:pic>
-      <p:sp>
-        <p:nvSpPr>
-          <p:cNvPr id="10" name="Footer Placeholder 2">
-            <a:extLst>
-              <a:ext uri="{FF2B5EF4-FFF2-40B4-BE49-F238E27FC236}">
-                <a16:creationId xmlns:a16="http://schemas.microsoft.com/office/drawing/2014/main" id="{301D342C-B297-470F-8C59-4035F5578ADF}"/>
-              </a:ext>
-            </a:extLst>
-          </p:cNvPr>
-          <p:cNvSpPr>
-            <a:spLocks noGrp="1"/>
-          </p:cNvSpPr>
-          <p:nvPr>
-            <p:ph type="ftr" sz="quarter" idx="11"/>
-          </p:nvPr>
-        </p:nvSpPr>
-        <p:spPr>
-          <a:xfrm>
-            <a:off x="1169960" y="5878720"/>
-            <a:ext cx="2915733" cy="298800"/>
-          </a:xfrm>
-        </p:spPr>
-        <p:txBody>
-          <a:bodyPr/>
-          <a:lstStyle/>
-          <a:p>
-            <a:r>
-              <a:rPr lang="en-US" noProof="0" dirty="0" err="1"/>
-              <a:t>Hadi</a:t>
-            </a:r>
-            <a:endParaRPr lang="en-US" noProof="0" dirty="0"/>
-          </a:p>
-        </p:txBody>
-      </p:sp>
     </p:spTree>
     <p:extLst>
       <p:ext uri="{BB962C8B-B14F-4D97-AF65-F5344CB8AC3E}">
@@ -52471,12 +52445,11 @@
 </file>
 
 <file path=customXml/item1.xml><?xml version="1.0" encoding="utf-8"?>
-<?mso-contentType ?>
-<FormTemplates xmlns="http://schemas.microsoft.com/sharepoint/v3/contenttype/forms">
-  <Display>DocumentLibraryForm</Display>
-  <Edit>DocumentLibraryForm</Edit>
-  <New>DocumentLibraryForm</New>
-</FormTemplates>
+<p:properties xmlns:p="http://schemas.microsoft.com/office/2006/metadata/properties" xmlns:xsi="http://www.w3.org/2001/XMLSchema-instance" xmlns:pc="http://schemas.microsoft.com/office/infopath/2007/PartnerControls">
+  <documentManagement>
+    <MediaServiceKeyPoints xmlns="71af3243-3dd4-4a8d-8c0d-dd76da1f02a5" xsi:nil="true"/>
+  </documentManagement>
+</p:properties>
 </file>
 
 <file path=customXml/item2.xml><?xml version="1.0" encoding="utf-8"?>
@@ -52691,17 +52664,20 @@
 </file>
 
 <file path=customXml/item3.xml><?xml version="1.0" encoding="utf-8"?>
-<p:properties xmlns:p="http://schemas.microsoft.com/office/2006/metadata/properties" xmlns:xsi="http://www.w3.org/2001/XMLSchema-instance" xmlns:pc="http://schemas.microsoft.com/office/infopath/2007/PartnerControls">
-  <documentManagement>
-    <MediaServiceKeyPoints xmlns="71af3243-3dd4-4a8d-8c0d-dd76da1f02a5" xsi:nil="true"/>
-  </documentManagement>
-</p:properties>
+<?mso-contentType ?>
+<FormTemplates xmlns="http://schemas.microsoft.com/sharepoint/v3/contenttype/forms">
+  <Display>DocumentLibraryForm</Display>
+  <Edit>DocumentLibraryForm</Edit>
+  <New>DocumentLibraryForm</New>
+</FormTemplates>
 </file>
 
 <file path=customXml/itemProps1.xml><?xml version="1.0" encoding="utf-8"?>
-<ds:datastoreItem xmlns:ds="http://schemas.openxmlformats.org/officeDocument/2006/customXml" ds:itemID="{01743C61-8CA7-48FF-B2A3-6055DA854CF6}">
+<ds:datastoreItem xmlns:ds="http://schemas.openxmlformats.org/officeDocument/2006/customXml" ds:itemID="{D726A944-A9F4-4295-9B5E-C397EB1318B9}">
   <ds:schemaRefs>
-    <ds:schemaRef ds:uri="http://schemas.microsoft.com/sharepoint/v3/contenttype/forms"/>
+    <ds:schemaRef ds:uri="http://schemas.microsoft.com/office/2006/metadata/properties"/>
+    <ds:schemaRef ds:uri="http://schemas.microsoft.com/office/infopath/2007/PartnerControls"/>
+    <ds:schemaRef ds:uri="71af3243-3dd4-4a8d-8c0d-dd76da1f02a5"/>
   </ds:schemaRefs>
 </ds:datastoreItem>
 </file>
@@ -52726,11 +52702,9 @@
 </file>
 
 <file path=customXml/itemProps3.xml><?xml version="1.0" encoding="utf-8"?>
-<ds:datastoreItem xmlns:ds="http://schemas.openxmlformats.org/officeDocument/2006/customXml" ds:itemID="{D726A944-A9F4-4295-9B5E-C397EB1318B9}">
+<ds:datastoreItem xmlns:ds="http://schemas.openxmlformats.org/officeDocument/2006/customXml" ds:itemID="{01743C61-8CA7-48FF-B2A3-6055DA854CF6}">
   <ds:schemaRefs>
-    <ds:schemaRef ds:uri="http://schemas.microsoft.com/office/2006/metadata/properties"/>
-    <ds:schemaRef ds:uri="http://schemas.microsoft.com/office/infopath/2007/PartnerControls"/>
-    <ds:schemaRef ds:uri="71af3243-3dd4-4a8d-8c0d-dd76da1f02a5"/>
+    <ds:schemaRef ds:uri="http://schemas.microsoft.com/sharepoint/v3/contenttype/forms"/>
   </ds:schemaRefs>
 </ds:datastoreItem>
 </file>